--- a/Java/INTRODUCTION TO JAVA.pptx
+++ b/Java/INTRODUCTION TO JAVA.pptx
@@ -243,7 +243,7 @@
           <a:p>
             <a:fld id="{A3A6FD01-4189-490F-AB82-761B964EC976}" type="datetime1">
               <a:rPr lang="en-US" smtClean="0"/>
-              <a:t>5/5/2025</a:t>
+              <a:t>5/21/2025</a:t>
             </a:fld>
             <a:endParaRPr lang="en-US"/>
           </a:p>
@@ -421,7 +421,7 @@
           <a:p>
             <a:fld id="{68921EF6-2BB6-43DE-9CEC-D5D8E593D737}" type="datetime1">
               <a:rPr lang="en-US" smtClean="0"/>
-              <a:t>5/5/2025</a:t>
+              <a:t>5/21/2025</a:t>
             </a:fld>
             <a:endParaRPr lang="en-US"/>
           </a:p>
@@ -773,7 +773,7 @@
           <a:p>
             <a:fld id="{68921EF6-2BB6-43DE-9CEC-D5D8E593D737}" type="datetime1">
               <a:rPr lang="en-US" smtClean="0"/>
-              <a:t>5/5/2025</a:t>
+              <a:t>5/21/2025</a:t>
             </a:fld>
             <a:endParaRPr lang="en-US"/>
           </a:p>
@@ -970,7 +970,7 @@
           <a:p>
             <a:fld id="{68921EF6-2BB6-43DE-9CEC-D5D8E593D737}" type="datetime1">
               <a:rPr lang="en-US" smtClean="0"/>
-              <a:t>5/5/2025</a:t>
+              <a:t>5/21/2025</a:t>
             </a:fld>
             <a:endParaRPr lang="en-US"/>
           </a:p>
@@ -1231,7 +1231,7 @@
           <a:p>
             <a:fld id="{68921EF6-2BB6-43DE-9CEC-D5D8E593D737}" type="datetime1">
               <a:rPr lang="en-US" smtClean="0"/>
-              <a:t>5/5/2025</a:t>
+              <a:t>5/21/2025</a:t>
             </a:fld>
             <a:endParaRPr lang="en-US"/>
           </a:p>
@@ -1818,7 +1818,7 @@
           <a:p>
             <a:fld id="{68921EF6-2BB6-43DE-9CEC-D5D8E593D737}" type="datetime1">
               <a:rPr lang="en-US" smtClean="0"/>
-              <a:t>5/5/2025</a:t>
+              <a:t>5/21/2025</a:t>
             </a:fld>
             <a:endParaRPr lang="en-US"/>
           </a:p>
@@ -2073,7 +2073,7 @@
           <a:p>
             <a:fld id="{68921EF6-2BB6-43DE-9CEC-D5D8E593D737}" type="datetime1">
               <a:rPr lang="en-US" smtClean="0"/>
-              <a:t>5/5/2025</a:t>
+              <a:t>5/21/2025</a:t>
             </a:fld>
             <a:endParaRPr lang="en-US"/>
           </a:p>
@@ -2702,7 +2702,7 @@
           <a:p>
             <a:fld id="{68921EF6-2BB6-43DE-9CEC-D5D8E593D737}" type="datetime1">
               <a:rPr lang="en-US" smtClean="0"/>
-              <a:t>5/5/2025</a:t>
+              <a:t>5/21/2025</a:t>
             </a:fld>
             <a:endParaRPr lang="en-US"/>
           </a:p>
@@ -2797,14 +2797,14 @@
   <p:clrMapOvr>
     <a:masterClrMapping/>
   </p:clrMapOvr>
-  <mc:AlternateContent xmlns:mc="http://schemas.openxmlformats.org/markup-compatibility/2006" xmlns:p14="http://schemas.microsoft.com/office/powerpoint/2010/main">
-    <mc:Choice Requires="p14">
-      <p:transition spd="slow" p14:dur="9250" advClick="0" advTm="6000">
+  <mc:AlternateContent xmlns:mc="http://schemas.openxmlformats.org/markup-compatibility/2006">
+    <mc:Choice xmlns:p14="http://schemas.microsoft.com/office/powerpoint/2010/main" Requires="p14">
+      <p:transition spd="slow" p14:dur="9250">
         <p:pull/>
       </p:transition>
     </mc:Choice>
-    <mc:Fallback xmlns="">
-      <p:transition spd="slow" advClick="0" advTm="6000">
+    <mc:Fallback>
+      <p:transition spd="slow">
         <p:pull/>
       </p:transition>
     </mc:Fallback>
@@ -2840,14 +2840,14 @@
   <p:sldLayoutIdLst>
     <p:sldLayoutId id="2147483649" r:id="rId1"/>
   </p:sldLayoutIdLst>
-  <mc:AlternateContent xmlns:mc="http://schemas.openxmlformats.org/markup-compatibility/2006" xmlns:p14="http://schemas.microsoft.com/office/powerpoint/2010/main">
-    <mc:Choice Requires="p14">
-      <p:transition spd="slow" p14:dur="9250" advClick="0" advTm="6000">
+  <mc:AlternateContent xmlns:mc="http://schemas.openxmlformats.org/markup-compatibility/2006">
+    <mc:Choice xmlns:p14="http://schemas.microsoft.com/office/powerpoint/2010/main" Requires="p14">
+      <p:transition spd="slow" p14:dur="9250">
         <p:pull/>
       </p:transition>
     </mc:Choice>
-    <mc:Fallback xmlns="">
-      <p:transition spd="slow" advClick="0" advTm="6000">
+    <mc:Fallback>
+      <p:transition spd="slow">
         <p:pull/>
       </p:transition>
     </mc:Fallback>
@@ -3607,7 +3607,7 @@
                 <a:latin typeface="Times New Roman" panose="02020603050405020304" pitchFamily="18" charset="0"/>
                 <a:cs typeface="Times New Roman" panose="02020603050405020304" pitchFamily="18" charset="0"/>
               </a:rPr>
-              <a:t>May 5, 2025</a:t>
+              <a:t>May 21, 2025</a:t>
             </a:fld>
             <a:endParaRPr lang="en-US" sz="2000" b="1" dirty="0">
               <a:solidFill>
@@ -3662,14 +3662,14 @@
   <p:clrMapOvr>
     <a:masterClrMapping/>
   </p:clrMapOvr>
-  <mc:AlternateContent xmlns:mc="http://schemas.openxmlformats.org/markup-compatibility/2006" xmlns:p14="http://schemas.microsoft.com/office/powerpoint/2010/main">
-    <mc:Choice Requires="p14">
-      <p:transition spd="slow" p14:dur="9250" advClick="0" advTm="6000">
+  <mc:AlternateContent xmlns:mc="http://schemas.openxmlformats.org/markup-compatibility/2006">
+    <mc:Choice xmlns:p14="http://schemas.microsoft.com/office/powerpoint/2010/main" Requires="p14">
+      <p:transition spd="slow" p14:dur="9250">
         <p:pull/>
       </p:transition>
     </mc:Choice>
-    <mc:Fallback xmlns="">
-      <p:transition spd="slow" advClick="0" advTm="6000">
+    <mc:Fallback>
+      <p:transition spd="slow">
         <p:pull/>
       </p:transition>
     </mc:Fallback>
@@ -4118,7 +4118,7 @@
                 <a:latin typeface="Times New Roman" panose="02020603050405020304" pitchFamily="18" charset="0"/>
                 <a:cs typeface="Times New Roman" panose="02020603050405020304" pitchFamily="18" charset="0"/>
               </a:rPr>
-              <a:t>May 5, 2025</a:t>
+              <a:t>May 21, 2025</a:t>
             </a:fld>
             <a:endParaRPr lang="en-US" sz="2000" b="1" dirty="0">
               <a:solidFill>
@@ -4422,12 +4422,12 @@
   </p:clrMapOvr>
   <mc:AlternateContent xmlns:mc="http://schemas.openxmlformats.org/markup-compatibility/2006">
     <mc:Choice xmlns:p14="http://schemas.microsoft.com/office/powerpoint/2010/main" Requires="p14">
-      <p:transition spd="slow" p14:dur="9250" advClick="0" advTm="6000">
+      <p:transition spd="slow" p14:dur="9250">
         <p:pull/>
       </p:transition>
     </mc:Choice>
     <mc:Fallback>
-      <p:transition spd="slow" advClick="0" advTm="6000">
+      <p:transition spd="slow">
         <p:pull/>
       </p:transition>
     </mc:Fallback>
@@ -4876,7 +4876,7 @@
                 <a:latin typeface="Times New Roman" panose="02020603050405020304" pitchFamily="18" charset="0"/>
                 <a:cs typeface="Times New Roman" panose="02020603050405020304" pitchFamily="18" charset="0"/>
               </a:rPr>
-              <a:t>May 5, 2025</a:t>
+              <a:t>May 21, 2025</a:t>
             </a:fld>
             <a:endParaRPr lang="en-US" sz="2000" b="1" dirty="0">
               <a:solidFill>
@@ -5254,12 +5254,12 @@
   </p:clrMapOvr>
   <mc:AlternateContent xmlns:mc="http://schemas.openxmlformats.org/markup-compatibility/2006">
     <mc:Choice xmlns:p14="http://schemas.microsoft.com/office/powerpoint/2010/main" Requires="p14">
-      <p:transition spd="slow" p14:dur="9250" advClick="0" advTm="6000">
+      <p:transition spd="slow" p14:dur="9250">
         <p:pull/>
       </p:transition>
     </mc:Choice>
     <mc:Fallback>
-      <p:transition spd="slow" advClick="0" advTm="6000">
+      <p:transition spd="slow">
         <p:pull/>
       </p:transition>
     </mc:Fallback>
@@ -5708,7 +5708,7 @@
                 <a:latin typeface="Times New Roman" panose="02020603050405020304" pitchFamily="18" charset="0"/>
                 <a:cs typeface="Times New Roman" panose="02020603050405020304" pitchFamily="18" charset="0"/>
               </a:rPr>
-              <a:t>May 5, 2025</a:t>
+              <a:t>May 21, 2025</a:t>
             </a:fld>
             <a:endParaRPr lang="en-US" sz="2000" b="1" dirty="0">
               <a:solidFill>
@@ -5963,12 +5963,12 @@
   </p:clrMapOvr>
   <mc:AlternateContent xmlns:mc="http://schemas.openxmlformats.org/markup-compatibility/2006">
     <mc:Choice xmlns:p14="http://schemas.microsoft.com/office/powerpoint/2010/main" Requires="p14">
-      <p:transition spd="slow" p14:dur="9250" advClick="0" advTm="6000">
+      <p:transition spd="slow" p14:dur="9250">
         <p:pull/>
       </p:transition>
     </mc:Choice>
     <mc:Fallback>
-      <p:transition spd="slow" advClick="0" advTm="6000">
+      <p:transition spd="slow">
         <p:pull/>
       </p:transition>
     </mc:Fallback>
@@ -6417,7 +6417,7 @@
                 <a:latin typeface="Times New Roman" panose="02020603050405020304" pitchFamily="18" charset="0"/>
                 <a:cs typeface="Times New Roman" panose="02020603050405020304" pitchFamily="18" charset="0"/>
               </a:rPr>
-              <a:t>May 5, 2025</a:t>
+              <a:t>May 21, 2025</a:t>
             </a:fld>
             <a:endParaRPr lang="en-US" sz="2000" b="1" dirty="0">
               <a:solidFill>
@@ -6709,12 +6709,12 @@
   </p:clrMapOvr>
   <mc:AlternateContent xmlns:mc="http://schemas.openxmlformats.org/markup-compatibility/2006">
     <mc:Choice xmlns:p14="http://schemas.microsoft.com/office/powerpoint/2010/main" Requires="p14">
-      <p:transition spd="slow" p14:dur="9250" advClick="0" advTm="6000">
+      <p:transition spd="slow" p14:dur="9250">
         <p:pull/>
       </p:transition>
     </mc:Choice>
     <mc:Fallback>
-      <p:transition spd="slow" advClick="0" advTm="6000">
+      <p:transition spd="slow">
         <p:pull/>
       </p:transition>
     </mc:Fallback>
@@ -7163,7 +7163,7 @@
                 <a:latin typeface="Times New Roman" panose="02020603050405020304" pitchFamily="18" charset="0"/>
                 <a:cs typeface="Times New Roman" panose="02020603050405020304" pitchFamily="18" charset="0"/>
               </a:rPr>
-              <a:t>May 5, 2025</a:t>
+              <a:t>May 21, 2025</a:t>
             </a:fld>
             <a:endParaRPr lang="en-US" sz="2000" b="1" dirty="0">
               <a:solidFill>
@@ -7363,12 +7363,12 @@
   </p:clrMapOvr>
   <mc:AlternateContent xmlns:mc="http://schemas.openxmlformats.org/markup-compatibility/2006">
     <mc:Choice xmlns:p14="http://schemas.microsoft.com/office/powerpoint/2010/main" Requires="p14">
-      <p:transition spd="slow" p14:dur="9250" advClick="0" advTm="6000">
+      <p:transition spd="slow" p14:dur="9250">
         <p:pull/>
       </p:transition>
     </mc:Choice>
     <mc:Fallback>
-      <p:transition spd="slow" advClick="0" advTm="6000">
+      <p:transition spd="slow">
         <p:pull/>
       </p:transition>
     </mc:Fallback>
@@ -7817,7 +7817,7 @@
                 <a:latin typeface="Times New Roman" panose="02020603050405020304" pitchFamily="18" charset="0"/>
                 <a:cs typeface="Times New Roman" panose="02020603050405020304" pitchFamily="18" charset="0"/>
               </a:rPr>
-              <a:t>May 5, 2025</a:t>
+              <a:t>May 21, 2025</a:t>
             </a:fld>
             <a:endParaRPr lang="en-US" sz="2000" b="1" dirty="0">
               <a:solidFill>
@@ -8109,12 +8109,12 @@
   </p:clrMapOvr>
   <mc:AlternateContent xmlns:mc="http://schemas.openxmlformats.org/markup-compatibility/2006">
     <mc:Choice xmlns:p14="http://schemas.microsoft.com/office/powerpoint/2010/main" Requires="p14">
-      <p:transition spd="slow" p14:dur="9250" advClick="0" advTm="6000">
+      <p:transition spd="slow" p14:dur="9250">
         <p:pull/>
       </p:transition>
     </mc:Choice>
     <mc:Fallback>
-      <p:transition spd="slow" advClick="0" advTm="6000">
+      <p:transition spd="slow">
         <p:pull/>
       </p:transition>
     </mc:Fallback>
@@ -8563,7 +8563,7 @@
                 <a:latin typeface="Times New Roman" panose="02020603050405020304" pitchFamily="18" charset="0"/>
                 <a:cs typeface="Times New Roman" panose="02020603050405020304" pitchFamily="18" charset="0"/>
               </a:rPr>
-              <a:t>May 5, 2025</a:t>
+              <a:t>May 21, 2025</a:t>
             </a:fld>
             <a:endParaRPr lang="en-US" sz="2000" b="1" dirty="0">
               <a:solidFill>
@@ -8828,12 +8828,12 @@
   </p:clrMapOvr>
   <mc:AlternateContent xmlns:mc="http://schemas.openxmlformats.org/markup-compatibility/2006">
     <mc:Choice xmlns:p14="http://schemas.microsoft.com/office/powerpoint/2010/main" Requires="p14">
-      <p:transition spd="slow" p14:dur="9250" advClick="0" advTm="6000">
+      <p:transition spd="slow" p14:dur="9250">
         <p:pull/>
       </p:transition>
     </mc:Choice>
     <mc:Fallback>
-      <p:transition spd="slow" advClick="0" advTm="6000">
+      <p:transition spd="slow">
         <p:pull/>
       </p:transition>
     </mc:Fallback>
@@ -9282,7 +9282,7 @@
                 <a:latin typeface="Times New Roman" panose="02020603050405020304" pitchFamily="18" charset="0"/>
                 <a:cs typeface="Times New Roman" panose="02020603050405020304" pitchFamily="18" charset="0"/>
               </a:rPr>
-              <a:t>May 5, 2025</a:t>
+              <a:t>May 21, 2025</a:t>
             </a:fld>
             <a:endParaRPr lang="en-US" sz="2000" b="1" dirty="0">
               <a:solidFill>
@@ -9516,12 +9516,12 @@
   </p:clrMapOvr>
   <mc:AlternateContent xmlns:mc="http://schemas.openxmlformats.org/markup-compatibility/2006">
     <mc:Choice xmlns:p14="http://schemas.microsoft.com/office/powerpoint/2010/main" Requires="p14">
-      <p:transition spd="slow" p14:dur="9250" advClick="0" advTm="6000">
+      <p:transition spd="slow" p14:dur="9250">
         <p:pull/>
       </p:transition>
     </mc:Choice>
     <mc:Fallback>
-      <p:transition spd="slow" advClick="0" advTm="6000">
+      <p:transition spd="slow">
         <p:pull/>
       </p:transition>
     </mc:Fallback>
@@ -9970,7 +9970,7 @@
                 <a:latin typeface="Times New Roman" panose="02020603050405020304" pitchFamily="18" charset="0"/>
                 <a:cs typeface="Times New Roman" panose="02020603050405020304" pitchFamily="18" charset="0"/>
               </a:rPr>
-              <a:t>May 5, 2025</a:t>
+              <a:t>May 21, 2025</a:t>
             </a:fld>
             <a:endParaRPr lang="en-US" sz="2000" b="1" dirty="0">
               <a:solidFill>
@@ -10289,12 +10289,12 @@
   </p:clrMapOvr>
   <mc:AlternateContent xmlns:mc="http://schemas.openxmlformats.org/markup-compatibility/2006">
     <mc:Choice xmlns:p14="http://schemas.microsoft.com/office/powerpoint/2010/main" Requires="p14">
-      <p:transition spd="slow" p14:dur="9250" advClick="0" advTm="6000">
+      <p:transition spd="slow" p14:dur="9250">
         <p:pull/>
       </p:transition>
     </mc:Choice>
     <mc:Fallback>
-      <p:transition spd="slow" advClick="0" advTm="6000">
+      <p:transition spd="slow">
         <p:pull/>
       </p:transition>
     </mc:Fallback>
@@ -10743,7 +10743,7 @@
                 <a:latin typeface="Times New Roman" panose="02020603050405020304" pitchFamily="18" charset="0"/>
                 <a:cs typeface="Times New Roman" panose="02020603050405020304" pitchFamily="18" charset="0"/>
               </a:rPr>
-              <a:t>May 5, 2025</a:t>
+              <a:t>May 21, 2025</a:t>
             </a:fld>
             <a:endParaRPr lang="en-US" sz="2000" b="1" dirty="0">
               <a:solidFill>
@@ -11063,12 +11063,12 @@
   </p:clrMapOvr>
   <mc:AlternateContent xmlns:mc="http://schemas.openxmlformats.org/markup-compatibility/2006">
     <mc:Choice xmlns:p14="http://schemas.microsoft.com/office/powerpoint/2010/main" Requires="p14">
-      <p:transition spd="slow" p14:dur="9250" advClick="0" advTm="6000">
+      <p:transition spd="slow" p14:dur="9250">
         <p:pull/>
       </p:transition>
     </mc:Choice>
     <mc:Fallback>
-      <p:transition spd="slow" advClick="0" advTm="6000">
+      <p:transition spd="slow">
         <p:pull/>
       </p:transition>
     </mc:Fallback>
@@ -11467,7 +11467,7 @@
                 <a:latin typeface="Times New Roman" panose="02020603050405020304" pitchFamily="18" charset="0"/>
                 <a:cs typeface="Times New Roman" panose="02020603050405020304" pitchFamily="18" charset="0"/>
               </a:rPr>
-              <a:t>May 5, 2025</a:t>
+              <a:t>May 21, 2025</a:t>
             </a:fld>
             <a:endParaRPr lang="en-US" sz="2000" b="1" dirty="0">
               <a:solidFill>
@@ -11858,14 +11858,14 @@
   <p:clrMapOvr>
     <a:masterClrMapping/>
   </p:clrMapOvr>
-  <mc:AlternateContent xmlns:mc="http://schemas.openxmlformats.org/markup-compatibility/2006" xmlns:p14="http://schemas.microsoft.com/office/powerpoint/2010/main">
-    <mc:Choice Requires="p14">
-      <p:transition spd="slow" p14:dur="9250" advClick="0" advTm="6000">
+  <mc:AlternateContent xmlns:mc="http://schemas.openxmlformats.org/markup-compatibility/2006">
+    <mc:Choice xmlns:p14="http://schemas.microsoft.com/office/powerpoint/2010/main" Requires="p14">
+      <p:transition spd="slow" p14:dur="9250">
         <p:pull/>
       </p:transition>
     </mc:Choice>
-    <mc:Fallback xmlns="">
-      <p:transition spd="slow" advClick="0" advTm="6000">
+    <mc:Fallback>
+      <p:transition spd="slow">
         <p:pull/>
       </p:transition>
     </mc:Fallback>
@@ -12314,7 +12314,7 @@
                 <a:latin typeface="Times New Roman" panose="02020603050405020304" pitchFamily="18" charset="0"/>
                 <a:cs typeface="Times New Roman" panose="02020603050405020304" pitchFamily="18" charset="0"/>
               </a:rPr>
-              <a:t>May 5, 2025</a:t>
+              <a:t>May 21, 2025</a:t>
             </a:fld>
             <a:endParaRPr lang="en-US" sz="2000" b="1" dirty="0">
               <a:solidFill>
@@ -12479,12 +12479,12 @@
   </p:clrMapOvr>
   <mc:AlternateContent xmlns:mc="http://schemas.openxmlformats.org/markup-compatibility/2006">
     <mc:Choice xmlns:p14="http://schemas.microsoft.com/office/powerpoint/2010/main" Requires="p14">
-      <p:transition spd="slow" p14:dur="9250" advClick="0" advTm="6000">
+      <p:transition spd="slow" p14:dur="9250">
         <p:pull/>
       </p:transition>
     </mc:Choice>
     <mc:Fallback>
-      <p:transition spd="slow" advClick="0" advTm="6000">
+      <p:transition spd="slow">
         <p:pull/>
       </p:transition>
     </mc:Fallback>
@@ -12886,7 +12886,7 @@
                 <a:latin typeface="Times New Roman" panose="02020603050405020304" pitchFamily="18" charset="0"/>
                 <a:cs typeface="Times New Roman" panose="02020603050405020304" pitchFamily="18" charset="0"/>
               </a:rPr>
-              <a:t>May 5, 2025</a:t>
+              <a:t>May 21, 2025</a:t>
             </a:fld>
             <a:endParaRPr lang="en-US" sz="2000" b="1" dirty="0">
               <a:solidFill>
@@ -12946,14 +12946,14 @@
   <p:clrMapOvr>
     <a:masterClrMapping/>
   </p:clrMapOvr>
-  <mc:AlternateContent xmlns:mc="http://schemas.openxmlformats.org/markup-compatibility/2006" xmlns:p14="http://schemas.microsoft.com/office/powerpoint/2010/main">
-    <mc:Choice Requires="p14">
-      <p:transition spd="slow" p14:dur="9250" advClick="0" advTm="6000">
+  <mc:AlternateContent xmlns:mc="http://schemas.openxmlformats.org/markup-compatibility/2006">
+    <mc:Choice xmlns:p14="http://schemas.microsoft.com/office/powerpoint/2010/main" Requires="p14">
+      <p:transition spd="slow" p14:dur="9250">
         <p:pull/>
       </p:transition>
     </mc:Choice>
-    <mc:Fallback xmlns="">
-      <p:transition spd="slow" advClick="0" advTm="6000">
+    <mc:Fallback>
+      <p:transition spd="slow">
         <p:pull/>
       </p:transition>
     </mc:Fallback>
@@ -13336,7 +13336,7 @@
                 <a:latin typeface="Times New Roman" panose="02020603050405020304" pitchFamily="18" charset="0"/>
                 <a:cs typeface="Times New Roman" panose="02020603050405020304" pitchFamily="18" charset="0"/>
               </a:rPr>
-              <a:t>May 5, 2025</a:t>
+              <a:t>May 21, 2025</a:t>
             </a:fld>
             <a:endParaRPr lang="en-US" sz="2000" b="1" dirty="0">
               <a:solidFill>
@@ -13776,14 +13776,14 @@
   <p:clrMapOvr>
     <a:masterClrMapping/>
   </p:clrMapOvr>
-  <mc:AlternateContent xmlns:mc="http://schemas.openxmlformats.org/markup-compatibility/2006" xmlns:p14="http://schemas.microsoft.com/office/powerpoint/2010/main">
-    <mc:Choice Requires="p14">
-      <p:transition spd="slow" p14:dur="9250" advClick="0" advTm="6000">
+  <mc:AlternateContent xmlns:mc="http://schemas.openxmlformats.org/markup-compatibility/2006">
+    <mc:Choice xmlns:p14="http://schemas.microsoft.com/office/powerpoint/2010/main" Requires="p14">
+      <p:transition spd="slow" p14:dur="9250">
         <p:pull/>
       </p:transition>
     </mc:Choice>
-    <mc:Fallback xmlns="">
-      <p:transition spd="slow" advClick="0" advTm="6000">
+    <mc:Fallback>
+      <p:transition spd="slow">
         <p:pull/>
       </p:transition>
     </mc:Fallback>
@@ -14232,7 +14232,7 @@
                 <a:latin typeface="Times New Roman" panose="02020603050405020304" pitchFamily="18" charset="0"/>
                 <a:cs typeface="Times New Roman" panose="02020603050405020304" pitchFamily="18" charset="0"/>
               </a:rPr>
-              <a:t>May 5, 2025</a:t>
+              <a:t>May 21, 2025</a:t>
             </a:fld>
             <a:endParaRPr lang="en-US" sz="2000" b="1" dirty="0">
               <a:solidFill>
@@ -14659,14 +14659,14 @@
   <p:clrMapOvr>
     <a:masterClrMapping/>
   </p:clrMapOvr>
-  <mc:AlternateContent xmlns:mc="http://schemas.openxmlformats.org/markup-compatibility/2006" xmlns:p14="http://schemas.microsoft.com/office/powerpoint/2010/main">
-    <mc:Choice Requires="p14">
-      <p:transition spd="slow" p14:dur="9250" advClick="0" advTm="6000">
+  <mc:AlternateContent xmlns:mc="http://schemas.openxmlformats.org/markup-compatibility/2006">
+    <mc:Choice xmlns:p14="http://schemas.microsoft.com/office/powerpoint/2010/main" Requires="p14">
+      <p:transition spd="slow" p14:dur="9250">
         <p:pull/>
       </p:transition>
     </mc:Choice>
-    <mc:Fallback xmlns="">
-      <p:transition spd="slow" advClick="0" advTm="6000">
+    <mc:Fallback>
+      <p:transition spd="slow">
         <p:pull/>
       </p:transition>
     </mc:Fallback>
@@ -15115,7 +15115,7 @@
                 <a:latin typeface="Times New Roman" panose="02020603050405020304" pitchFamily="18" charset="0"/>
                 <a:cs typeface="Times New Roman" panose="02020603050405020304" pitchFamily="18" charset="0"/>
               </a:rPr>
-              <a:t>May 5, 2025</a:t>
+              <a:t>May 21, 2025</a:t>
             </a:fld>
             <a:endParaRPr lang="en-US" sz="2000" b="1" dirty="0">
               <a:solidFill>
@@ -15396,14 +15396,14 @@
   <p:clrMapOvr>
     <a:masterClrMapping/>
   </p:clrMapOvr>
-  <mc:AlternateContent xmlns:mc="http://schemas.openxmlformats.org/markup-compatibility/2006" xmlns:p14="http://schemas.microsoft.com/office/powerpoint/2010/main">
-    <mc:Choice Requires="p14">
-      <p:transition spd="slow" p14:dur="9250" advClick="0" advTm="6000">
+  <mc:AlternateContent xmlns:mc="http://schemas.openxmlformats.org/markup-compatibility/2006">
+    <mc:Choice xmlns:p14="http://schemas.microsoft.com/office/powerpoint/2010/main" Requires="p14">
+      <p:transition spd="slow" p14:dur="9250">
         <p:pull/>
       </p:transition>
     </mc:Choice>
-    <mc:Fallback xmlns="">
-      <p:transition spd="slow" advClick="0" advTm="6000">
+    <mc:Fallback>
+      <p:transition spd="slow">
         <p:pull/>
       </p:transition>
     </mc:Fallback>
@@ -15852,7 +15852,7 @@
                 <a:latin typeface="Times New Roman" panose="02020603050405020304" pitchFamily="18" charset="0"/>
                 <a:cs typeface="Times New Roman" panose="02020603050405020304" pitchFamily="18" charset="0"/>
               </a:rPr>
-              <a:t>May 5, 2025</a:t>
+              <a:t>May 21, 2025</a:t>
             </a:fld>
             <a:endParaRPr lang="en-US" sz="2000" b="1" dirty="0">
               <a:solidFill>
@@ -16048,14 +16048,14 @@
   <p:clrMapOvr>
     <a:masterClrMapping/>
   </p:clrMapOvr>
-  <mc:AlternateContent xmlns:mc="http://schemas.openxmlformats.org/markup-compatibility/2006" xmlns:p14="http://schemas.microsoft.com/office/powerpoint/2010/main">
-    <mc:Choice Requires="p14">
-      <p:transition spd="slow" p14:dur="9250" advClick="0" advTm="6000">
+  <mc:AlternateContent xmlns:mc="http://schemas.openxmlformats.org/markup-compatibility/2006">
+    <mc:Choice xmlns:p14="http://schemas.microsoft.com/office/powerpoint/2010/main" Requires="p14">
+      <p:transition spd="slow" p14:dur="9250">
         <p:pull/>
       </p:transition>
     </mc:Choice>
-    <mc:Fallback xmlns="">
-      <p:transition spd="slow" advClick="0" advTm="6000">
+    <mc:Fallback>
+      <p:transition spd="slow">
         <p:pull/>
       </p:transition>
     </mc:Fallback>
@@ -16504,7 +16504,7 @@
                 <a:latin typeface="Times New Roman" panose="02020603050405020304" pitchFamily="18" charset="0"/>
                 <a:cs typeface="Times New Roman" panose="02020603050405020304" pitchFamily="18" charset="0"/>
               </a:rPr>
-              <a:t>May 5, 2025</a:t>
+              <a:t>May 21, 2025</a:t>
             </a:fld>
             <a:endParaRPr lang="en-US" sz="2000" b="1" dirty="0">
               <a:solidFill>
@@ -16691,14 +16691,14 @@
   <p:clrMapOvr>
     <a:masterClrMapping/>
   </p:clrMapOvr>
-  <mc:AlternateContent xmlns:mc="http://schemas.openxmlformats.org/markup-compatibility/2006" xmlns:p14="http://schemas.microsoft.com/office/powerpoint/2010/main">
-    <mc:Choice Requires="p14">
-      <p:transition spd="slow" p14:dur="9250" advClick="0" advTm="6000">
+  <mc:AlternateContent xmlns:mc="http://schemas.openxmlformats.org/markup-compatibility/2006">
+    <mc:Choice xmlns:p14="http://schemas.microsoft.com/office/powerpoint/2010/main" Requires="p14">
+      <p:transition spd="slow" p14:dur="9250">
         <p:pull/>
       </p:transition>
     </mc:Choice>
-    <mc:Fallback xmlns="">
-      <p:transition spd="slow" advClick="0" advTm="6000">
+    <mc:Fallback>
+      <p:transition spd="slow">
         <p:pull/>
       </p:transition>
     </mc:Fallback>
@@ -17147,7 +17147,7 @@
                 <a:latin typeface="Times New Roman" panose="02020603050405020304" pitchFamily="18" charset="0"/>
                 <a:cs typeface="Times New Roman" panose="02020603050405020304" pitchFamily="18" charset="0"/>
               </a:rPr>
-              <a:t>May 5, 2025</a:t>
+              <a:t>May 21, 2025</a:t>
             </a:fld>
             <a:endParaRPr lang="en-US" sz="2000" b="1" dirty="0">
               <a:solidFill>
@@ -17560,12 +17560,12 @@
   </p:clrMapOvr>
   <mc:AlternateContent xmlns:mc="http://schemas.openxmlformats.org/markup-compatibility/2006">
     <mc:Choice xmlns:p14="http://schemas.microsoft.com/office/powerpoint/2010/main" Requires="p14">
-      <p:transition spd="slow" p14:dur="9250" advClick="0" advTm="6000">
+      <p:transition spd="slow" p14:dur="9250">
         <p:pull/>
       </p:transition>
     </mc:Choice>
     <mc:Fallback>
-      <p:transition spd="slow" advClick="0" advTm="6000">
+      <p:transition spd="slow">
         <p:pull/>
       </p:transition>
     </mc:Fallback>
@@ -18014,7 +18014,7 @@
                 <a:latin typeface="Times New Roman" panose="02020603050405020304" pitchFamily="18" charset="0"/>
                 <a:cs typeface="Times New Roman" panose="02020603050405020304" pitchFamily="18" charset="0"/>
               </a:rPr>
-              <a:t>May 5, 2025</a:t>
+              <a:t>May 21, 2025</a:t>
             </a:fld>
             <a:endParaRPr lang="en-US" sz="2000" b="1" dirty="0">
               <a:solidFill>
@@ -18448,14 +18448,14 @@
   <p:clrMapOvr>
     <a:masterClrMapping/>
   </p:clrMapOvr>
-  <mc:AlternateContent xmlns:mc="http://schemas.openxmlformats.org/markup-compatibility/2006" xmlns:p14="http://schemas.microsoft.com/office/powerpoint/2010/main">
-    <mc:Choice Requires="p14">
-      <p:transition spd="slow" p14:dur="9250" advClick="0" advTm="6000">
+  <mc:AlternateContent xmlns:mc="http://schemas.openxmlformats.org/markup-compatibility/2006">
+    <mc:Choice xmlns:p14="http://schemas.microsoft.com/office/powerpoint/2010/main" Requires="p14">
+      <p:transition spd="slow" p14:dur="9250">
         <p:pull/>
       </p:transition>
     </mc:Choice>
-    <mc:Fallback xmlns="">
-      <p:transition spd="slow" advClick="0" advTm="6000">
+    <mc:Fallback>
+      <p:transition spd="slow">
         <p:pull/>
       </p:transition>
     </mc:Fallback>
